--- a/WNV_Detection_Biz_Deck.pptx
+++ b/WNV_Detection_Biz_Deck.pptx
@@ -8,8 +8,8 @@
     <p:sldId id="270" r:id="rId2"/>
     <p:sldId id="269" r:id="rId3"/>
     <p:sldId id="271" r:id="rId4"/>
-    <p:sldId id="262" r:id="rId5"/>
-    <p:sldId id="264" r:id="rId6"/>
+    <p:sldId id="264" r:id="rId5"/>
+    <p:sldId id="272" r:id="rId6"/>
     <p:sldId id="259" r:id="rId7"/>
     <p:sldId id="263" r:id="rId8"/>
     <p:sldId id="260" r:id="rId9"/>
@@ -5237,11 +5237,29 @@
                 <a:effectLst/>
                 <a:latin typeface="+mj-lt"/>
               </a:rPr>
-              <a:t>human cases of </a:t>
-            </a:r>
-            <a:r>
-              <a:rPr lang="en-US" altLang="en-US" sz="1600" dirty="0" smtClean="0"/>
-              <a:t>WNV) </a:t>
+              <a:t>human </a:t>
+            </a:r>
+            <a:r>
+              <a:rPr kumimoji="0" lang="en-US" altLang="en-US" sz="1600" i="0" strike="noStrike" cap="none" normalizeH="0" baseline="0" dirty="0">
+                <a:ln>
+                  <a:noFill/>
+                </a:ln>
+                <a:effectLst/>
+                <a:latin typeface="+mj-lt"/>
+              </a:rPr>
+              <a:t>cases </a:t>
+            </a:r>
+            <a:r>
+              <a:rPr lang="en-US" altLang="en-US" sz="1600" dirty="0">
+                <a:latin typeface="+mj-lt"/>
+              </a:rPr>
+              <a:t>of </a:t>
+            </a:r>
+            <a:r>
+              <a:rPr lang="en-US" altLang="en-US" sz="1600" dirty="0">
+                <a:latin typeface="+mj-lt"/>
+              </a:rPr>
+              <a:t>WNV </a:t>
             </a:r>
             <a:r>
               <a:rPr kumimoji="0" lang="en-US" altLang="en-US" sz="1600" b="0" i="0" strike="noStrike" cap="none" normalizeH="0" baseline="0" dirty="0" smtClean="0">
@@ -5944,11 +5962,19 @@
                 <a:effectLst/>
                 <a:latin typeface="+mj-lt"/>
               </a:rPr>
-              <a:t>human cases of </a:t>
-            </a:r>
-            <a:r>
-              <a:rPr lang="en-US" altLang="en-US" sz="1600" dirty="0" smtClean="0"/>
-              <a:t>WNV) </a:t>
+              <a:t>human </a:t>
+            </a:r>
+            <a:r>
+              <a:rPr lang="en-US" altLang="en-US" sz="1600" dirty="0">
+                <a:latin typeface="+mj-lt"/>
+              </a:rPr>
+              <a:t>cases of </a:t>
+            </a:r>
+            <a:r>
+              <a:rPr lang="en-US" altLang="en-US" sz="1600" dirty="0">
+                <a:latin typeface="+mj-lt"/>
+              </a:rPr>
+              <a:t>WNV </a:t>
             </a:r>
             <a:r>
               <a:rPr kumimoji="0" lang="en-US" altLang="en-US" sz="1600" b="0" i="0" strike="noStrike" cap="none" normalizeH="0" baseline="0" dirty="0" smtClean="0">
@@ -6556,7 +6582,7 @@
         </p:nvSpPr>
         <p:spPr>
           <a:xfrm>
-            <a:off x="873554" y="1105024"/>
+            <a:off x="873553" y="1219118"/>
             <a:ext cx="2342062" cy="369332"/>
           </a:xfrm>
           <a:prstGeom prst="rect">
@@ -6571,10 +6597,10 @@
           <a:lstStyle/>
           <a:p>
             <a:r>
-              <a:rPr lang="en-US" dirty="0" smtClean="0"/>
+              <a:rPr lang="en-US" b="1" dirty="0" smtClean="0"/>
               <a:t>“Train” (main) Dataset</a:t>
             </a:r>
-            <a:endParaRPr lang="en-US" dirty="0"/>
+            <a:endParaRPr lang="en-US" b="1" dirty="0"/>
           </a:p>
         </p:txBody>
       </p:sp>
@@ -6586,8 +6612,8 @@
         </p:nvSpPr>
         <p:spPr>
           <a:xfrm>
-            <a:off x="912298" y="1424910"/>
-            <a:ext cx="10200202" cy="2585323"/>
+            <a:off x="873553" y="1776993"/>
+            <a:ext cx="8447868" cy="3416320"/>
           </a:xfrm>
           <a:prstGeom prst="rect">
             <a:avLst/>
@@ -6622,7 +6648,15 @@
             <a:pPr lvl="1"/>
             <a:r>
               <a:rPr lang="en-US" dirty="0" smtClean="0"/>
-              <a:t>Train dataset has informative features (number of mosquitos, species)</a:t>
+              <a:t>Train dataset has informative features </a:t>
+            </a:r>
+            <a:r>
+              <a:rPr lang="en-US" dirty="0" smtClean="0"/>
+              <a:t>( e.g. number </a:t>
+            </a:r>
+            <a:r>
+              <a:rPr lang="en-US" dirty="0" smtClean="0"/>
+              <a:t>of mosquitos, species)</a:t>
             </a:r>
             <a:endParaRPr lang="en-US" dirty="0"/>
           </a:p>
@@ -6661,7 +6695,23 @@
             </a:r>
             <a:r>
               <a:rPr lang="en-US" dirty="0"/>
-              <a:t>' feature IS NOT 'target-linked' and is an integral part of the features provided by Chicago Municipality to predict WNV </a:t>
+              <a:t>' feature IS NOT 'target-linked</a:t>
+            </a:r>
+            <a:r>
+              <a:rPr lang="en-US" dirty="0" smtClean="0"/>
+              <a:t>'</a:t>
+            </a:r>
+            <a:r>
+              <a:rPr lang="en-US" b="1" dirty="0" smtClean="0"/>
+              <a:t>*</a:t>
+            </a:r>
+            <a:r>
+              <a:rPr lang="en-US" dirty="0" smtClean="0"/>
+              <a:t> </a:t>
+            </a:r>
+            <a:r>
+              <a:rPr lang="en-US" dirty="0"/>
+              <a:t>and is an integral part of the features provided by Chicago Municipality to predict WNV </a:t>
             </a:r>
             <a:r>
               <a:rPr lang="en-US" dirty="0" smtClean="0"/>
@@ -6689,7 +6739,39 @@
             </a:pPr>
             <a:r>
               <a:rPr lang="en-US" dirty="0" smtClean="0"/>
-              <a:t>Accuracy is deceivingly high ~95%, that’s because rate of WNV is very low (~5%). </a:t>
+              <a:t>Initial prediction efforts </a:t>
+            </a:r>
+            <a:r>
+              <a:rPr lang="en-US" dirty="0" smtClean="0"/>
+              <a:t>with this raw dataset shows that </a:t>
+            </a:r>
+            <a:r>
+              <a:rPr lang="en-US" dirty="0"/>
+              <a:t>a</a:t>
+            </a:r>
+            <a:r>
+              <a:rPr lang="en-US" dirty="0" smtClean="0"/>
+              <a:t>ccuracy </a:t>
+            </a:r>
+            <a:r>
+              <a:rPr lang="en-US" dirty="0" smtClean="0"/>
+              <a:t>is deceivingly high ~95</a:t>
+            </a:r>
+            <a:r>
+              <a:rPr lang="en-US" dirty="0" smtClean="0"/>
+              <a:t>%. </a:t>
+            </a:r>
+            <a:r>
+              <a:rPr lang="en-US" dirty="0"/>
+              <a:t>T</a:t>
+            </a:r>
+            <a:r>
+              <a:rPr lang="en-US" dirty="0" smtClean="0"/>
+              <a:t>hat’s </a:t>
+            </a:r>
+            <a:r>
+              <a:rPr lang="en-US" dirty="0" smtClean="0"/>
+              <a:t>because rate of WNV is very low (~5%). </a:t>
             </a:r>
           </a:p>
           <a:p>
@@ -6699,15 +6781,129 @@
             </a:pPr>
             <a:r>
               <a:rPr lang="en-US" dirty="0" smtClean="0"/>
-              <a:t>This means that with this basic dataset we can get at most, a model that is deceivingly sensitive (75%) and entirely not precise (4%). </a:t>
-            </a:r>
+              <a:t>This means that </a:t>
+            </a:r>
+            <a:r>
+              <a:rPr lang="en-US" dirty="0" smtClean="0"/>
+              <a:t>without feature engineering and data enrichment from other datasets we </a:t>
+            </a:r>
+            <a:r>
+              <a:rPr lang="en-US" dirty="0" smtClean="0"/>
+              <a:t>can get at most, a model that is deceivingly sensitive </a:t>
+            </a:r>
+            <a:r>
+              <a:rPr lang="en-US" dirty="0" smtClean="0"/>
+              <a:t>(sensitivity=75</a:t>
+            </a:r>
+            <a:r>
+              <a:rPr lang="en-US" dirty="0" smtClean="0"/>
+              <a:t>%) and entirely not precise </a:t>
+            </a:r>
+            <a:r>
+              <a:rPr lang="en-US" dirty="0" smtClean="0"/>
+              <a:t>(Precision=4</a:t>
+            </a:r>
+            <a:r>
+              <a:rPr lang="en-US" dirty="0" smtClean="0"/>
+              <a:t>%). </a:t>
+            </a:r>
+          </a:p>
+        </p:txBody>
+      </p:sp>
+      <p:sp>
+        <p:nvSpPr>
+          <p:cNvPr id="2" name="Rectangle 1"/>
+          <p:cNvSpPr/>
+          <p:nvPr/>
+        </p:nvSpPr>
+        <p:spPr>
+          <a:xfrm>
+            <a:off x="873552" y="5803590"/>
+            <a:ext cx="10686101" cy="830997"/>
+          </a:xfrm>
+          <a:prstGeom prst="rect">
+            <a:avLst/>
+          </a:prstGeom>
+        </p:spPr>
+        <p:txBody>
+          <a:bodyPr wrap="square">
+            <a:spAutoFit/>
+          </a:bodyPr>
+          <a:lstStyle/>
+          <a:p>
+            <a:r>
+              <a:rPr lang="en-US" b="1" dirty="0" smtClean="0"/>
+              <a:t>*</a:t>
+            </a:r>
+            <a:r>
+              <a:rPr lang="en-US" dirty="0" smtClean="0"/>
+              <a:t> </a:t>
+            </a:r>
+            <a:r>
+              <a:rPr lang="en-US" sz="1500" dirty="0" smtClean="0"/>
+              <a:t> </a:t>
+            </a:r>
+            <a:r>
+              <a:rPr lang="en-US" sz="1500" dirty="0"/>
+              <a:t>In this context of this dataset ’Target-linked’ means that when deploying our model to predict WNV, we wouldn't </a:t>
+            </a:r>
+            <a:r>
+              <a:rPr lang="en-US" sz="1500" dirty="0" smtClean="0"/>
+              <a:t>have  </a:t>
+            </a:r>
+          </a:p>
+          <a:p>
+            <a:r>
+              <a:rPr lang="en-US" sz="1500" dirty="0" smtClean="0"/>
+              <a:t>     the </a:t>
+            </a:r>
+            <a:r>
+              <a:rPr lang="en-US" sz="1500" dirty="0"/>
+              <a:t>number of </a:t>
+            </a:r>
+            <a:r>
+              <a:rPr lang="en-US" sz="1500" dirty="0" smtClean="0"/>
+              <a:t>mosquitos available </a:t>
+            </a:r>
+            <a:r>
+              <a:rPr lang="en-US" sz="1500" dirty="0"/>
+              <a:t>to us because it is determined along side the detection of the virus </a:t>
+            </a:r>
+            <a:r>
+              <a:rPr lang="mr-IN" sz="1500" dirty="0"/>
+              <a:t>–</a:t>
+            </a:r>
+            <a:r>
+              <a:rPr lang="en-US" sz="1500" dirty="0"/>
+              <a:t> hence “target link”</a:t>
+            </a:r>
+          </a:p>
+          <a:p>
+            <a:pPr marL="285750" marR="0" lvl="0" indent="-285750" defTabSz="914400" eaLnBrk="1" fontAlgn="auto" latinLnBrk="0" hangingPunct="1">
+              <a:lnSpc>
+                <a:spcPct val="100000"/>
+              </a:lnSpc>
+              <a:spcBef>
+                <a:spcPts val="0"/>
+              </a:spcBef>
+              <a:spcAft>
+                <a:spcPts val="0"/>
+              </a:spcAft>
+              <a:buClrTx/>
+              <a:buSzTx/>
+              <a:buFont typeface="Arial" charset="0"/>
+              <a:buNone/>
+              <a:tabLst/>
+              <a:defRPr/>
+            </a:pPr>
+            <a:endParaRPr lang="en-US" sz="1500" dirty="0"/>
           </a:p>
         </p:txBody>
       </p:sp>
     </p:spTree>
     <p:extLst>
       <p:ext uri="{BB962C8B-B14F-4D97-AF65-F5344CB8AC3E}">
-        <p14:creationId xmlns:p14="http://schemas.microsoft.com/office/powerpoint/2010/main" val="999461858"/>
+        <p14:creationId xmlns:p14="http://schemas.microsoft.com/office/powerpoint/2010/main" val="346535348"/>
       </p:ext>
     </p:extLst>
   </p:cSld>
@@ -6820,8 +7016,8 @@
         </p:nvSpPr>
         <p:spPr>
           <a:xfrm>
-            <a:off x="912297" y="4389358"/>
-            <a:ext cx="10200203" cy="923330"/>
+            <a:off x="873552" y="1793899"/>
+            <a:ext cx="7806423" cy="1200329"/>
           </a:xfrm>
           <a:prstGeom prst="rect">
             <a:avLst/>
@@ -6853,18 +7049,38 @@
             </a:pPr>
             <a:r>
               <a:rPr lang="en-US" b="1" dirty="0" smtClean="0"/>
-              <a:t>Instances</a:t>
-            </a:r>
-            <a:r>
-              <a:rPr lang="en-US" b="1" smtClean="0"/>
-              <a:t>: </a:t>
+              <a:t>Instances: </a:t>
             </a:r>
           </a:p>
           <a:p>
             <a:pPr lvl="1"/>
             <a:r>
               <a:rPr lang="en-US" dirty="0" smtClean="0"/>
-              <a:t>The Spray dataset’s low number of relevant instances (observations) and lack of significant relationship to WNV occurrences deems it un-informative to our purposes to enrich the basic Train dataset</a:t>
+              <a:t>The Spray dataset’s low number of relevant instances (observations) and lack of significant relationship to </a:t>
+            </a:r>
+            <a:r>
+              <a:rPr lang="en-US" dirty="0" smtClean="0"/>
+              <a:t>WNV, </a:t>
+            </a:r>
+            <a:r>
+              <a:rPr lang="en-US" dirty="0" smtClean="0"/>
+              <a:t>deems it un-informative to our </a:t>
+            </a:r>
+            <a:r>
+              <a:rPr lang="en-US" dirty="0" smtClean="0"/>
+              <a:t>purpose </a:t>
+            </a:r>
+            <a:r>
+              <a:rPr lang="en-US" dirty="0" smtClean="0"/>
+              <a:t>to enrich the </a:t>
+            </a:r>
+            <a:r>
+              <a:rPr lang="en-US" dirty="0" smtClean="0"/>
+              <a:t>main</a:t>
+            </a:r>
+            <a:r>
+              <a:rPr lang="en-US" dirty="0" smtClean="0"/>
+              <a:t> “Train” dataset, so we can ignore it</a:t>
             </a:r>
             <a:endParaRPr lang="en-US" dirty="0"/>
           </a:p>
@@ -6908,8 +7124,8 @@
         </p:nvSpPr>
         <p:spPr>
           <a:xfrm>
-            <a:off x="839056" y="4044749"/>
-            <a:ext cx="2167881" cy="369332"/>
+            <a:off x="873553" y="1250018"/>
+            <a:ext cx="3582819" cy="369332"/>
           </a:xfrm>
           <a:prstGeom prst="rect">
             <a:avLst/>
@@ -6923,40 +7139,14 @@
           <a:lstStyle/>
           <a:p>
             <a:r>
-              <a:rPr lang="en-US" dirty="0" smtClean="0"/>
-              <a:t>“Spray” Dataset</a:t>
-            </a:r>
-            <a:endParaRPr lang="en-US" dirty="0"/>
-          </a:p>
-        </p:txBody>
-      </p:sp>
-      <p:sp>
-        <p:nvSpPr>
-          <p:cNvPr id="9" name="TextBox 8"/>
-          <p:cNvSpPr txBox="1"/>
-          <p:nvPr/>
-        </p:nvSpPr>
-        <p:spPr>
-          <a:xfrm>
-            <a:off x="873554" y="1105024"/>
-            <a:ext cx="2342062" cy="369332"/>
-          </a:xfrm>
-          <a:prstGeom prst="rect">
-            <a:avLst/>
-          </a:prstGeom>
-          <a:noFill/>
-        </p:spPr>
-        <p:txBody>
-          <a:bodyPr wrap="square" rtlCol="0">
-            <a:spAutoFit/>
-          </a:bodyPr>
-          <a:lstStyle/>
-          <a:p>
-            <a:r>
-              <a:rPr lang="en-US" dirty="0" smtClean="0"/>
-              <a:t>“Train” (main) Dataset</a:t>
-            </a:r>
-            <a:endParaRPr lang="en-US" dirty="0"/>
+              <a:rPr lang="en-US" b="1" dirty="0" smtClean="0"/>
+              <a:t>“Spray” </a:t>
+            </a:r>
+            <a:r>
+              <a:rPr lang="en-US" b="1" dirty="0" smtClean="0"/>
+              <a:t>(Supplementary) Dataset</a:t>
+            </a:r>
+            <a:endParaRPr lang="en-US" b="1" dirty="0"/>
           </a:p>
         </p:txBody>
       </p:sp>
@@ -6968,8 +7158,8 @@
         </p:nvSpPr>
         <p:spPr>
           <a:xfrm>
-            <a:off x="912298" y="5779658"/>
-            <a:ext cx="10200202" cy="646331"/>
+            <a:off x="946794" y="3909915"/>
+            <a:ext cx="7733181" cy="1200329"/>
           </a:xfrm>
           <a:prstGeom prst="rect">
             <a:avLst/>
@@ -7012,7 +7202,31 @@
             <a:pPr lvl="1"/>
             <a:r>
               <a:rPr lang="en-US" dirty="0" smtClean="0"/>
-              <a:t>Newly Engineered features are highly informative and can provide prediction power</a:t>
+              <a:t>After conducting rigorous f</a:t>
+            </a:r>
+            <a:r>
+              <a:rPr lang="en-US" dirty="0" smtClean="0"/>
+              <a:t>eature e</a:t>
+            </a:r>
+            <a:r>
+              <a:rPr lang="en-US" dirty="0" smtClean="0"/>
+              <a:t>ngineering, the newly engineered weather features became </a:t>
+            </a:r>
+            <a:r>
+              <a:rPr lang="en-US" dirty="0" smtClean="0"/>
+              <a:t>highly informative </a:t>
+            </a:r>
+            <a:r>
+              <a:rPr lang="en-US" dirty="0" smtClean="0"/>
+              <a:t>which provides strong </a:t>
+            </a:r>
+            <a:r>
+              <a:rPr lang="en-US" dirty="0" smtClean="0"/>
+              <a:t>prediction </a:t>
+            </a:r>
+            <a:r>
+              <a:rPr lang="en-US" dirty="0" smtClean="0"/>
+              <a:t>power for WNV cases</a:t>
             </a:r>
             <a:endParaRPr lang="en-US" dirty="0"/>
           </a:p>
@@ -7026,8 +7240,8 @@
         </p:nvSpPr>
         <p:spPr>
           <a:xfrm>
-            <a:off x="912298" y="5383840"/>
-            <a:ext cx="2021402" cy="369332"/>
+            <a:off x="873552" y="3388220"/>
+            <a:ext cx="3864418" cy="369332"/>
           </a:xfrm>
           <a:prstGeom prst="rect">
             <a:avLst/>
@@ -7041,143 +7255,25 @@
           <a:lstStyle/>
           <a:p>
             <a:r>
-              <a:rPr lang="en-US" dirty="0" smtClean="0"/>
-              <a:t>“Weather” Dataset</a:t>
-            </a:r>
-            <a:endParaRPr lang="en-US" dirty="0"/>
-          </a:p>
-        </p:txBody>
-      </p:sp>
-      <p:sp>
-        <p:nvSpPr>
-          <p:cNvPr id="12" name="TextBox 11"/>
-          <p:cNvSpPr txBox="1"/>
-          <p:nvPr/>
-        </p:nvSpPr>
-        <p:spPr>
-          <a:xfrm>
-            <a:off x="912298" y="1424910"/>
-            <a:ext cx="10200202" cy="2585323"/>
-          </a:xfrm>
-          <a:prstGeom prst="rect">
-            <a:avLst/>
-          </a:prstGeom>
-          <a:noFill/>
-          <a:ln w="12700">
-            <a:solidFill>
-              <a:schemeClr val="tx1"/>
-            </a:solidFill>
-          </a:ln>
-        </p:spPr>
-        <p:txBody>
-          <a:bodyPr wrap="square" rtlCol="0">
-            <a:spAutoFit/>
-          </a:bodyPr>
-          <a:lstStyle/>
-          <a:p>
-            <a:pPr marL="285750" indent="-285750">
-              <a:buFont typeface="Arial" charset="0"/>
-              <a:buChar char="•"/>
-            </a:pPr>
-            <a:r>
               <a:rPr lang="en-US" b="1" dirty="0" smtClean="0"/>
-              <a:t>Features:</a:t>
-            </a:r>
-            <a:r>
-              <a:rPr lang="en-US" dirty="0" smtClean="0"/>
-              <a:t> </a:t>
-            </a:r>
-          </a:p>
-          <a:p>
-            <a:pPr lvl="1"/>
-            <a:r>
-              <a:rPr lang="en-US" dirty="0" smtClean="0"/>
-              <a:t>Train dataset has informative features (number of mosquitos, species)</a:t>
-            </a:r>
-            <a:endParaRPr lang="en-US" dirty="0"/>
-          </a:p>
-          <a:p>
-            <a:pPr marL="285750" indent="-285750">
-              <a:buFont typeface="Arial" charset="0"/>
-              <a:buChar char="•"/>
-            </a:pPr>
+              <a:t>“Weather</a:t>
+            </a:r>
             <a:r>
               <a:rPr lang="en-US" b="1" dirty="0" smtClean="0"/>
-              <a:t>Assumption</a:t>
-            </a:r>
-            <a:r>
-              <a:rPr lang="en-US" b="1" dirty="0"/>
-              <a:t>:</a:t>
-            </a:r>
-            <a:r>
-              <a:rPr lang="en-US" dirty="0"/>
-              <a:t> </a:t>
-            </a:r>
-            <a:endParaRPr lang="en-US" dirty="0" smtClean="0"/>
-          </a:p>
-          <a:p>
-            <a:pPr lvl="1"/>
-            <a:r>
-              <a:rPr lang="en-US" dirty="0" smtClean="0"/>
-              <a:t>For </a:t>
-            </a:r>
-            <a:r>
-              <a:rPr lang="en-US" dirty="0"/>
-              <a:t>this project's purposes let's assume for now that the '</a:t>
-            </a:r>
-            <a:r>
-              <a:rPr lang="en-US" dirty="0" err="1"/>
-              <a:t>NumMosquitos</a:t>
-            </a:r>
-            <a:r>
-              <a:rPr lang="en-US" dirty="0"/>
-              <a:t>' feature IS NOT 'target-linked' and is an integral part of the features provided by Chicago Municipality to predict WNV </a:t>
-            </a:r>
-            <a:r>
-              <a:rPr lang="en-US" dirty="0" smtClean="0"/>
-              <a:t>occurrences.</a:t>
-            </a:r>
-          </a:p>
-          <a:p>
-            <a:pPr marL="285750" indent="-285750">
-              <a:buFont typeface="Arial" charset="0"/>
-              <a:buChar char="•"/>
-            </a:pPr>
+              <a:t>” (Supplementary)  </a:t>
+            </a:r>
             <a:r>
               <a:rPr lang="en-US" b="1" dirty="0" smtClean="0"/>
-              <a:t>Prediction:</a:t>
-            </a:r>
-            <a:r>
-              <a:rPr lang="en-US" dirty="0" smtClean="0"/>
-              <a:t> </a:t>
-            </a:r>
-          </a:p>
-          <a:p>
-            <a:pPr marL="742950" lvl="1" indent="-285750">
-              <a:buFont typeface="Wingdings" charset="2"/>
-              <a:buChar char="§"/>
-            </a:pPr>
-            <a:r>
-              <a:rPr lang="en-US" dirty="0" smtClean="0"/>
-              <a:t>Accuracy is deceivingly high ~95%, that’s because rate of WNV is very low (~5%). </a:t>
-            </a:r>
-          </a:p>
-          <a:p>
-            <a:pPr marL="742950" lvl="1" indent="-285750">
-              <a:buFont typeface="Wingdings" charset="2"/>
-              <a:buChar char="§"/>
-            </a:pPr>
-            <a:r>
-              <a:rPr lang="en-US" dirty="0" smtClean="0"/>
-              <a:t>This means that with this basic dataset we can get at most, a model that is deceivingly sensitive (75%) and entirely not precise (4%). </a:t>
-            </a:r>
+              <a:t>Dataset</a:t>
+            </a:r>
+            <a:endParaRPr lang="en-US" b="1" dirty="0"/>
           </a:p>
         </p:txBody>
       </p:sp>
     </p:spTree>
     <p:extLst>
       <p:ext uri="{BB962C8B-B14F-4D97-AF65-F5344CB8AC3E}">
-        <p14:creationId xmlns:p14="http://schemas.microsoft.com/office/powerpoint/2010/main" val="346535348"/>
+        <p14:creationId xmlns:p14="http://schemas.microsoft.com/office/powerpoint/2010/main" val="534883981"/>
       </p:ext>
     </p:extLst>
   </p:cSld>
@@ -7187,80 +7283,9 @@
   <p:timing>
     <p:tnLst>
       <p:par>
-        <p:cTn id="1" dur="indefinite" restart="never" nodeType="tmRoot">
-          <p:childTnLst>
-            <p:seq concurrent="1" nextAc="seek">
-              <p:cTn id="2" dur="indefinite" nodeType="mainSeq">
-                <p:childTnLst>
-                  <p:par>
-                    <p:cTn id="3" fill="hold">
-                      <p:stCondLst>
-                        <p:cond delay="indefinite"/>
-                      </p:stCondLst>
-                      <p:childTnLst>
-                        <p:par>
-                          <p:cTn id="4" fill="hold">
-                            <p:stCondLst>
-                              <p:cond delay="0"/>
-                            </p:stCondLst>
-                            <p:childTnLst>
-                              <p:par>
-                                <p:cTn id="5" presetID="1" presetClass="entr" presetSubtype="0" fill="hold" grpId="0" nodeType="clickEffect">
-                                  <p:stCondLst>
-                                    <p:cond delay="0"/>
-                                  </p:stCondLst>
-                                  <p:childTnLst>
-                                    <p:set>
-                                      <p:cBhvr>
-                                        <p:cTn id="6" dur="1" fill="hold">
-                                          <p:stCondLst>
-                                            <p:cond delay="0"/>
-                                          </p:stCondLst>
-                                        </p:cTn>
-                                        <p:tgtEl>
-                                          <p:spTgt spid="12"/>
-                                        </p:tgtEl>
-                                        <p:attrNameLst>
-                                          <p:attrName>style.visibility</p:attrName>
-                                        </p:attrNameLst>
-                                      </p:cBhvr>
-                                      <p:to>
-                                        <p:strVal val="visible"/>
-                                      </p:to>
-                                    </p:set>
-                                  </p:childTnLst>
-                                </p:cTn>
-                              </p:par>
-                            </p:childTnLst>
-                          </p:cTn>
-                        </p:par>
-                      </p:childTnLst>
-                    </p:cTn>
-                  </p:par>
-                </p:childTnLst>
-              </p:cTn>
-              <p:prevCondLst>
-                <p:cond evt="onPrev" delay="0">
-                  <p:tgtEl>
-                    <p:sldTgt/>
-                  </p:tgtEl>
-                </p:cond>
-              </p:prevCondLst>
-              <p:nextCondLst>
-                <p:cond evt="onNext" delay="0">
-                  <p:tgtEl>
-                    <p:sldTgt/>
-                  </p:tgtEl>
-                </p:cond>
-              </p:nextCondLst>
-            </p:seq>
-          </p:childTnLst>
-        </p:cTn>
+        <p:cTn id="1" dur="indefinite" restart="never" nodeType="tmRoot"/>
       </p:par>
     </p:tnLst>
-    <p:bldLst>
-      <p:bldP spid="12" grpId="0" animBg="1"/>
-    </p:bldLst>
   </p:timing>
 </p:sld>
 </file>

--- a/WNV_Detection_Biz_Deck.pptx
+++ b/WNV_Detection_Biz_Deck.pptx
@@ -4,6 +4,9 @@
   <p:sldMasterIdLst>
     <p:sldMasterId id="2147483648" r:id="rId1"/>
   </p:sldMasterIdLst>
+  <p:notesMasterIdLst>
+    <p:notesMasterId r:id="rId15"/>
+  </p:notesMasterIdLst>
   <p:sldIdLst>
     <p:sldId id="270" r:id="rId2"/>
     <p:sldId id="269" r:id="rId3"/>
@@ -124,6 +127,900 @@
 </p:presentation>
 </file>
 
+<file path=ppt/notesMasters/notesMaster1.xml><?xml version="1.0" encoding="utf-8"?>
+<p:notesMaster xmlns:a="http://schemas.openxmlformats.org/drawingml/2006/main" xmlns:r="http://schemas.openxmlformats.org/officeDocument/2006/relationships" xmlns:p="http://schemas.openxmlformats.org/presentationml/2006/main">
+  <p:cSld>
+    <p:bg>
+      <p:bgRef idx="1001">
+        <a:schemeClr val="bg1"/>
+      </p:bgRef>
+    </p:bg>
+    <p:spTree>
+      <p:nvGrpSpPr>
+        <p:cNvPr id="1" name=""/>
+        <p:cNvGrpSpPr/>
+        <p:nvPr/>
+      </p:nvGrpSpPr>
+      <p:grpSpPr>
+        <a:xfrm>
+          <a:off x="0" y="0"/>
+          <a:ext cx="0" cy="0"/>
+          <a:chOff x="0" y="0"/>
+          <a:chExt cx="0" cy="0"/>
+        </a:xfrm>
+      </p:grpSpPr>
+      <p:sp>
+        <p:nvSpPr>
+          <p:cNvPr id="2" name="Header Placeholder 1"/>
+          <p:cNvSpPr>
+            <a:spLocks noGrp="1"/>
+          </p:cNvSpPr>
+          <p:nvPr>
+            <p:ph type="hdr" sz="quarter"/>
+          </p:nvPr>
+        </p:nvSpPr>
+        <p:spPr>
+          <a:xfrm>
+            <a:off x="0" y="0"/>
+            <a:ext cx="2971800" cy="458788"/>
+          </a:xfrm>
+          <a:prstGeom prst="rect">
+            <a:avLst/>
+          </a:prstGeom>
+        </p:spPr>
+        <p:txBody>
+          <a:bodyPr vert="horz" lIns="91440" tIns="45720" rIns="91440" bIns="45720" rtlCol="0"/>
+          <a:lstStyle>
+            <a:lvl1pPr algn="l">
+              <a:defRPr sz="1200"/>
+            </a:lvl1pPr>
+          </a:lstStyle>
+          <a:p>
+            <a:endParaRPr lang="en-US"/>
+          </a:p>
+        </p:txBody>
+      </p:sp>
+      <p:sp>
+        <p:nvSpPr>
+          <p:cNvPr id="3" name="Date Placeholder 2"/>
+          <p:cNvSpPr>
+            <a:spLocks noGrp="1"/>
+          </p:cNvSpPr>
+          <p:nvPr>
+            <p:ph type="dt" idx="1"/>
+          </p:nvPr>
+        </p:nvSpPr>
+        <p:spPr>
+          <a:xfrm>
+            <a:off x="3884613" y="0"/>
+            <a:ext cx="2971800" cy="458788"/>
+          </a:xfrm>
+          <a:prstGeom prst="rect">
+            <a:avLst/>
+          </a:prstGeom>
+        </p:spPr>
+        <p:txBody>
+          <a:bodyPr vert="horz" lIns="91440" tIns="45720" rIns="91440" bIns="45720" rtlCol="0"/>
+          <a:lstStyle>
+            <a:lvl1pPr algn="r">
+              <a:defRPr sz="1200"/>
+            </a:lvl1pPr>
+          </a:lstStyle>
+          <a:p>
+            <a:fld id="{B05429AB-FD35-9943-BDD6-B7E530383E65}" type="datetimeFigureOut">
+              <a:rPr lang="en-US" smtClean="0"/>
+              <a:t>3/21/19</a:t>
+            </a:fld>
+            <a:endParaRPr lang="en-US"/>
+          </a:p>
+        </p:txBody>
+      </p:sp>
+      <p:sp>
+        <p:nvSpPr>
+          <p:cNvPr id="4" name="Slide Image Placeholder 3"/>
+          <p:cNvSpPr>
+            <a:spLocks noGrp="1" noRot="1" noChangeAspect="1"/>
+          </p:cNvSpPr>
+          <p:nvPr>
+            <p:ph type="sldImg" idx="2"/>
+          </p:nvPr>
+        </p:nvSpPr>
+        <p:spPr>
+          <a:xfrm>
+            <a:off x="685800" y="1143000"/>
+            <a:ext cx="5486400" cy="3086100"/>
+          </a:xfrm>
+          <a:prstGeom prst="rect">
+            <a:avLst/>
+          </a:prstGeom>
+          <a:noFill/>
+          <a:ln w="12700">
+            <a:solidFill>
+              <a:prstClr val="black"/>
+            </a:solidFill>
+          </a:ln>
+        </p:spPr>
+        <p:txBody>
+          <a:bodyPr vert="horz" lIns="91440" tIns="45720" rIns="91440" bIns="45720" rtlCol="0" anchor="ctr"/>
+          <a:lstStyle/>
+          <a:p>
+            <a:endParaRPr lang="en-US"/>
+          </a:p>
+        </p:txBody>
+      </p:sp>
+      <p:sp>
+        <p:nvSpPr>
+          <p:cNvPr id="5" name="Notes Placeholder 4"/>
+          <p:cNvSpPr>
+            <a:spLocks noGrp="1"/>
+          </p:cNvSpPr>
+          <p:nvPr>
+            <p:ph type="body" sz="quarter" idx="3"/>
+          </p:nvPr>
+        </p:nvSpPr>
+        <p:spPr>
+          <a:xfrm>
+            <a:off x="685800" y="4400550"/>
+            <a:ext cx="5486400" cy="3600450"/>
+          </a:xfrm>
+          <a:prstGeom prst="rect">
+            <a:avLst/>
+          </a:prstGeom>
+        </p:spPr>
+        <p:txBody>
+          <a:bodyPr vert="horz" lIns="91440" tIns="45720" rIns="91440" bIns="45720" rtlCol="0"/>
+          <a:lstStyle/>
+          <a:p>
+            <a:pPr lvl="0"/>
+            <a:r>
+              <a:rPr lang="en-US" smtClean="0"/>
+              <a:t>Click to edit Master text styles</a:t>
+            </a:r>
+          </a:p>
+          <a:p>
+            <a:pPr lvl="1"/>
+            <a:r>
+              <a:rPr lang="en-US" smtClean="0"/>
+              <a:t>Second level</a:t>
+            </a:r>
+          </a:p>
+          <a:p>
+            <a:pPr lvl="2"/>
+            <a:r>
+              <a:rPr lang="en-US" smtClean="0"/>
+              <a:t>Third level</a:t>
+            </a:r>
+          </a:p>
+          <a:p>
+            <a:pPr lvl="3"/>
+            <a:r>
+              <a:rPr lang="en-US" smtClean="0"/>
+              <a:t>Fourth level</a:t>
+            </a:r>
+          </a:p>
+          <a:p>
+            <a:pPr lvl="4"/>
+            <a:r>
+              <a:rPr lang="en-US" smtClean="0"/>
+              <a:t>Fifth level</a:t>
+            </a:r>
+            <a:endParaRPr lang="en-US"/>
+          </a:p>
+        </p:txBody>
+      </p:sp>
+      <p:sp>
+        <p:nvSpPr>
+          <p:cNvPr id="6" name="Footer Placeholder 5"/>
+          <p:cNvSpPr>
+            <a:spLocks noGrp="1"/>
+          </p:cNvSpPr>
+          <p:nvPr>
+            <p:ph type="ftr" sz="quarter" idx="4"/>
+          </p:nvPr>
+        </p:nvSpPr>
+        <p:spPr>
+          <a:xfrm>
+            <a:off x="0" y="8685213"/>
+            <a:ext cx="2971800" cy="458787"/>
+          </a:xfrm>
+          <a:prstGeom prst="rect">
+            <a:avLst/>
+          </a:prstGeom>
+        </p:spPr>
+        <p:txBody>
+          <a:bodyPr vert="horz" lIns="91440" tIns="45720" rIns="91440" bIns="45720" rtlCol="0" anchor="b"/>
+          <a:lstStyle>
+            <a:lvl1pPr algn="l">
+              <a:defRPr sz="1200"/>
+            </a:lvl1pPr>
+          </a:lstStyle>
+          <a:p>
+            <a:endParaRPr lang="en-US"/>
+          </a:p>
+        </p:txBody>
+      </p:sp>
+      <p:sp>
+        <p:nvSpPr>
+          <p:cNvPr id="7" name="Slide Number Placeholder 6"/>
+          <p:cNvSpPr>
+            <a:spLocks noGrp="1"/>
+          </p:cNvSpPr>
+          <p:nvPr>
+            <p:ph type="sldNum" sz="quarter" idx="5"/>
+          </p:nvPr>
+        </p:nvSpPr>
+        <p:spPr>
+          <a:xfrm>
+            <a:off x="3884613" y="8685213"/>
+            <a:ext cx="2971800" cy="458787"/>
+          </a:xfrm>
+          <a:prstGeom prst="rect">
+            <a:avLst/>
+          </a:prstGeom>
+        </p:spPr>
+        <p:txBody>
+          <a:bodyPr vert="horz" lIns="91440" tIns="45720" rIns="91440" bIns="45720" rtlCol="0" anchor="b"/>
+          <a:lstStyle>
+            <a:lvl1pPr algn="r">
+              <a:defRPr sz="1200"/>
+            </a:lvl1pPr>
+          </a:lstStyle>
+          <a:p>
+            <a:fld id="{EB60BC7F-C7BB-9D4D-944B-F34C628F7356}" type="slidenum">
+              <a:rPr lang="en-US" smtClean="0"/>
+              <a:t>‹#›</a:t>
+            </a:fld>
+            <a:endParaRPr lang="en-US"/>
+          </a:p>
+        </p:txBody>
+      </p:sp>
+    </p:spTree>
+    <p:extLst>
+      <p:ext uri="{BB962C8B-B14F-4D97-AF65-F5344CB8AC3E}">
+        <p14:creationId xmlns:p14="http://schemas.microsoft.com/office/powerpoint/2010/main" val="866392940"/>
+      </p:ext>
+    </p:extLst>
+  </p:cSld>
+  <p:clrMap bg1="lt1" tx1="dk1" bg2="lt2" tx2="dk2" accent1="accent1" accent2="accent2" accent3="accent3" accent4="accent4" accent5="accent5" accent6="accent6" hlink="hlink" folHlink="folHlink"/>
+  <p:notesStyle>
+    <a:lvl1pPr marL="0" algn="l" defTabSz="914400" rtl="0" eaLnBrk="1" latinLnBrk="0" hangingPunct="1">
+      <a:defRPr sz="1200" kern="1200">
+        <a:solidFill>
+          <a:schemeClr val="tx1"/>
+        </a:solidFill>
+        <a:latin typeface="+mn-lt"/>
+        <a:ea typeface="+mn-ea"/>
+        <a:cs typeface="+mn-cs"/>
+      </a:defRPr>
+    </a:lvl1pPr>
+    <a:lvl2pPr marL="457200" algn="l" defTabSz="914400" rtl="0" eaLnBrk="1" latinLnBrk="0" hangingPunct="1">
+      <a:defRPr sz="1200" kern="1200">
+        <a:solidFill>
+          <a:schemeClr val="tx1"/>
+        </a:solidFill>
+        <a:latin typeface="+mn-lt"/>
+        <a:ea typeface="+mn-ea"/>
+        <a:cs typeface="+mn-cs"/>
+      </a:defRPr>
+    </a:lvl2pPr>
+    <a:lvl3pPr marL="914400" algn="l" defTabSz="914400" rtl="0" eaLnBrk="1" latinLnBrk="0" hangingPunct="1">
+      <a:defRPr sz="1200" kern="1200">
+        <a:solidFill>
+          <a:schemeClr val="tx1"/>
+        </a:solidFill>
+        <a:latin typeface="+mn-lt"/>
+        <a:ea typeface="+mn-ea"/>
+        <a:cs typeface="+mn-cs"/>
+      </a:defRPr>
+    </a:lvl3pPr>
+    <a:lvl4pPr marL="1371600" algn="l" defTabSz="914400" rtl="0" eaLnBrk="1" latinLnBrk="0" hangingPunct="1">
+      <a:defRPr sz="1200" kern="1200">
+        <a:solidFill>
+          <a:schemeClr val="tx1"/>
+        </a:solidFill>
+        <a:latin typeface="+mn-lt"/>
+        <a:ea typeface="+mn-ea"/>
+        <a:cs typeface="+mn-cs"/>
+      </a:defRPr>
+    </a:lvl4pPr>
+    <a:lvl5pPr marL="1828800" algn="l" defTabSz="914400" rtl="0" eaLnBrk="1" latinLnBrk="0" hangingPunct="1">
+      <a:defRPr sz="1200" kern="1200">
+        <a:solidFill>
+          <a:schemeClr val="tx1"/>
+        </a:solidFill>
+        <a:latin typeface="+mn-lt"/>
+        <a:ea typeface="+mn-ea"/>
+        <a:cs typeface="+mn-cs"/>
+      </a:defRPr>
+    </a:lvl5pPr>
+    <a:lvl6pPr marL="2286000" algn="l" defTabSz="914400" rtl="0" eaLnBrk="1" latinLnBrk="0" hangingPunct="1">
+      <a:defRPr sz="1200" kern="1200">
+        <a:solidFill>
+          <a:schemeClr val="tx1"/>
+        </a:solidFill>
+        <a:latin typeface="+mn-lt"/>
+        <a:ea typeface="+mn-ea"/>
+        <a:cs typeface="+mn-cs"/>
+      </a:defRPr>
+    </a:lvl6pPr>
+    <a:lvl7pPr marL="2743200" algn="l" defTabSz="914400" rtl="0" eaLnBrk="1" latinLnBrk="0" hangingPunct="1">
+      <a:defRPr sz="1200" kern="1200">
+        <a:solidFill>
+          <a:schemeClr val="tx1"/>
+        </a:solidFill>
+        <a:latin typeface="+mn-lt"/>
+        <a:ea typeface="+mn-ea"/>
+        <a:cs typeface="+mn-cs"/>
+      </a:defRPr>
+    </a:lvl7pPr>
+    <a:lvl8pPr marL="3200400" algn="l" defTabSz="914400" rtl="0" eaLnBrk="1" latinLnBrk="0" hangingPunct="1">
+      <a:defRPr sz="1200" kern="1200">
+        <a:solidFill>
+          <a:schemeClr val="tx1"/>
+        </a:solidFill>
+        <a:latin typeface="+mn-lt"/>
+        <a:ea typeface="+mn-ea"/>
+        <a:cs typeface="+mn-cs"/>
+      </a:defRPr>
+    </a:lvl8pPr>
+    <a:lvl9pPr marL="3657600" algn="l" defTabSz="914400" rtl="0" eaLnBrk="1" latinLnBrk="0" hangingPunct="1">
+      <a:defRPr sz="1200" kern="1200">
+        <a:solidFill>
+          <a:schemeClr val="tx1"/>
+        </a:solidFill>
+        <a:latin typeface="+mn-lt"/>
+        <a:ea typeface="+mn-ea"/>
+        <a:cs typeface="+mn-cs"/>
+      </a:defRPr>
+    </a:lvl9pPr>
+  </p:notesStyle>
+</p:notesMaster>
+</file>
+
+<file path=ppt/notesSlides/notesSlide1.xml><?xml version="1.0" encoding="utf-8"?>
+<p:notes xmlns:a="http://schemas.openxmlformats.org/drawingml/2006/main" xmlns:r="http://schemas.openxmlformats.org/officeDocument/2006/relationships" xmlns:p="http://schemas.openxmlformats.org/presentationml/2006/main">
+  <p:cSld>
+    <p:spTree>
+      <p:nvGrpSpPr>
+        <p:cNvPr id="1" name=""/>
+        <p:cNvGrpSpPr/>
+        <p:nvPr/>
+      </p:nvGrpSpPr>
+      <p:grpSpPr>
+        <a:xfrm>
+          <a:off x="0" y="0"/>
+          <a:ext cx="0" cy="0"/>
+          <a:chOff x="0" y="0"/>
+          <a:chExt cx="0" cy="0"/>
+        </a:xfrm>
+      </p:grpSpPr>
+      <p:sp>
+        <p:nvSpPr>
+          <p:cNvPr id="2" name="Slide Image Placeholder 1"/>
+          <p:cNvSpPr>
+            <a:spLocks noGrp="1" noRot="1" noChangeAspect="1"/>
+          </p:cNvSpPr>
+          <p:nvPr>
+            <p:ph type="sldImg"/>
+          </p:nvPr>
+        </p:nvSpPr>
+        <p:spPr/>
+      </p:sp>
+      <p:sp>
+        <p:nvSpPr>
+          <p:cNvPr id="3" name="Notes Placeholder 2"/>
+          <p:cNvSpPr>
+            <a:spLocks noGrp="1"/>
+          </p:cNvSpPr>
+          <p:nvPr>
+            <p:ph type="body" idx="1"/>
+          </p:nvPr>
+        </p:nvSpPr>
+        <p:spPr/>
+        <p:txBody>
+          <a:bodyPr/>
+          <a:lstStyle/>
+          <a:p>
+            <a:r>
+              <a:rPr lang="en-US" dirty="0" smtClean="0"/>
+              <a:t>Today</a:t>
+            </a:r>
+            <a:r>
+              <a:rPr lang="en-US" baseline="0" dirty="0" smtClean="0"/>
+              <a:t> I’ll present a data driven approach to help prevention and </a:t>
+            </a:r>
+            <a:r>
+              <a:rPr lang="en-US" baseline="0" dirty="0" err="1" smtClean="0"/>
+              <a:t>erradication</a:t>
+            </a:r>
+            <a:r>
+              <a:rPr lang="en-US" baseline="0" dirty="0" smtClean="0"/>
+              <a:t> of </a:t>
+            </a:r>
+            <a:r>
+              <a:rPr lang="en-US" baseline="0" dirty="0" err="1" smtClean="0"/>
+              <a:t>westnile</a:t>
+            </a:r>
+            <a:r>
+              <a:rPr lang="en-US" baseline="0" dirty="0" smtClean="0"/>
+              <a:t> virus in Chicago</a:t>
+            </a:r>
+            <a:endParaRPr lang="en-US" dirty="0"/>
+          </a:p>
+        </p:txBody>
+      </p:sp>
+      <p:sp>
+        <p:nvSpPr>
+          <p:cNvPr id="4" name="Slide Number Placeholder 3"/>
+          <p:cNvSpPr>
+            <a:spLocks noGrp="1"/>
+          </p:cNvSpPr>
+          <p:nvPr>
+            <p:ph type="sldNum" sz="quarter" idx="10"/>
+          </p:nvPr>
+        </p:nvSpPr>
+        <p:spPr/>
+        <p:txBody>
+          <a:bodyPr/>
+          <a:lstStyle/>
+          <a:p>
+            <a:fld id="{EB60BC7F-C7BB-9D4D-944B-F34C628F7356}" type="slidenum">
+              <a:rPr lang="en-US" smtClean="0"/>
+              <a:t>1</a:t>
+            </a:fld>
+            <a:endParaRPr lang="en-US"/>
+          </a:p>
+        </p:txBody>
+      </p:sp>
+    </p:spTree>
+    <p:extLst>
+      <p:ext uri="{BB962C8B-B14F-4D97-AF65-F5344CB8AC3E}">
+        <p14:creationId xmlns:p14="http://schemas.microsoft.com/office/powerpoint/2010/main" val="1237384568"/>
+      </p:ext>
+    </p:extLst>
+  </p:cSld>
+  <p:clrMapOvr>
+    <a:masterClrMapping/>
+  </p:clrMapOvr>
+</p:notes>
+</file>
+
+<file path=ppt/notesSlides/notesSlide2.xml><?xml version="1.0" encoding="utf-8"?>
+<p:notes xmlns:a="http://schemas.openxmlformats.org/drawingml/2006/main" xmlns:r="http://schemas.openxmlformats.org/officeDocument/2006/relationships" xmlns:p="http://schemas.openxmlformats.org/presentationml/2006/main">
+  <p:cSld>
+    <p:spTree>
+      <p:nvGrpSpPr>
+        <p:cNvPr id="1" name=""/>
+        <p:cNvGrpSpPr/>
+        <p:nvPr/>
+      </p:nvGrpSpPr>
+      <p:grpSpPr>
+        <a:xfrm>
+          <a:off x="0" y="0"/>
+          <a:ext cx="0" cy="0"/>
+          <a:chOff x="0" y="0"/>
+          <a:chExt cx="0" cy="0"/>
+        </a:xfrm>
+      </p:grpSpPr>
+      <p:sp>
+        <p:nvSpPr>
+          <p:cNvPr id="2" name="Slide Image Placeholder 1"/>
+          <p:cNvSpPr>
+            <a:spLocks noGrp="1" noRot="1" noChangeAspect="1"/>
+          </p:cNvSpPr>
+          <p:nvPr>
+            <p:ph type="sldImg"/>
+          </p:nvPr>
+        </p:nvSpPr>
+        <p:spPr/>
+      </p:sp>
+      <p:sp>
+        <p:nvSpPr>
+          <p:cNvPr id="3" name="Notes Placeholder 2"/>
+          <p:cNvSpPr>
+            <a:spLocks noGrp="1"/>
+          </p:cNvSpPr>
+          <p:nvPr>
+            <p:ph type="body" idx="1"/>
+          </p:nvPr>
+        </p:nvSpPr>
+        <p:spPr/>
+        <p:txBody>
+          <a:bodyPr/>
+          <a:lstStyle/>
+          <a:p>
+            <a:pPr marL="171450" indent="-171450">
+              <a:buFont typeface="Arial" charset="0"/>
+              <a:buChar char="•"/>
+            </a:pPr>
+            <a:r>
+              <a:rPr lang="en-US" dirty="0" smtClean="0"/>
+              <a:t>West </a:t>
+            </a:r>
+            <a:r>
+              <a:rPr lang="en-US" dirty="0" err="1" smtClean="0"/>
+              <a:t>nile</a:t>
+            </a:r>
+            <a:r>
+              <a:rPr lang="en-US" dirty="0" smtClean="0"/>
+              <a:t> virus</a:t>
+            </a:r>
+            <a:r>
+              <a:rPr lang="en-US" baseline="0" dirty="0" smtClean="0"/>
+              <a:t> is spread through mosquitos and could be a cause to a lethal disease</a:t>
+            </a:r>
+          </a:p>
+          <a:p>
+            <a:pPr marL="171450" indent="-171450">
+              <a:buFont typeface="Arial" charset="0"/>
+              <a:buChar char="•"/>
+            </a:pPr>
+            <a:r>
+              <a:rPr lang="en-US" baseline="0" dirty="0" smtClean="0"/>
+              <a:t>Chicago </a:t>
+            </a:r>
+            <a:r>
+              <a:rPr lang="en-US" baseline="0" dirty="0" err="1" smtClean="0"/>
+              <a:t>Municiplaity</a:t>
+            </a:r>
+            <a:r>
+              <a:rPr lang="en-US" baseline="0" dirty="0" smtClean="0"/>
+              <a:t> and CDPH has collected and tested traps around the city for mosquitos with WNV</a:t>
+            </a:r>
+          </a:p>
+          <a:p>
+            <a:pPr marL="171450" indent="-171450">
+              <a:buFont typeface="Arial" charset="0"/>
+              <a:buChar char="•"/>
+            </a:pPr>
+            <a:r>
+              <a:rPr lang="en-US" baseline="0" dirty="0" smtClean="0"/>
+              <a:t>And assembled a comprehensive datasets  throughout several years with weekly collections</a:t>
+            </a:r>
+          </a:p>
+          <a:p>
+            <a:pPr marL="171450" indent="-171450">
+              <a:buFont typeface="Arial" charset="0"/>
+              <a:buChar char="•"/>
+            </a:pPr>
+            <a:r>
+              <a:rPr lang="en-US" baseline="0" dirty="0" smtClean="0"/>
+              <a:t>Our goal for this project was to predict future outbreaks (cases) around the city </a:t>
+            </a:r>
+          </a:p>
+          <a:p>
+            <a:pPr marL="171450" indent="-171450">
+              <a:buFont typeface="Arial" charset="0"/>
+              <a:buChar char="•"/>
+            </a:pPr>
+            <a:r>
+              <a:rPr lang="en-US" baseline="0" dirty="0" smtClean="0"/>
+              <a:t>With the help of additional enriching datasets of spraying efforts and weather </a:t>
+            </a:r>
+          </a:p>
+          <a:p>
+            <a:endParaRPr lang="en-US" dirty="0"/>
+          </a:p>
+        </p:txBody>
+      </p:sp>
+      <p:sp>
+        <p:nvSpPr>
+          <p:cNvPr id="4" name="Slide Number Placeholder 3"/>
+          <p:cNvSpPr>
+            <a:spLocks noGrp="1"/>
+          </p:cNvSpPr>
+          <p:nvPr>
+            <p:ph type="sldNum" sz="quarter" idx="10"/>
+          </p:nvPr>
+        </p:nvSpPr>
+        <p:spPr/>
+        <p:txBody>
+          <a:bodyPr/>
+          <a:lstStyle/>
+          <a:p>
+            <a:fld id="{EB60BC7F-C7BB-9D4D-944B-F34C628F7356}" type="slidenum">
+              <a:rPr lang="en-US" smtClean="0"/>
+              <a:t>2</a:t>
+            </a:fld>
+            <a:endParaRPr lang="en-US"/>
+          </a:p>
+        </p:txBody>
+      </p:sp>
+    </p:spTree>
+    <p:extLst>
+      <p:ext uri="{BB962C8B-B14F-4D97-AF65-F5344CB8AC3E}">
+        <p14:creationId xmlns:p14="http://schemas.microsoft.com/office/powerpoint/2010/main" val="1339314908"/>
+      </p:ext>
+    </p:extLst>
+  </p:cSld>
+  <p:clrMapOvr>
+    <a:masterClrMapping/>
+  </p:clrMapOvr>
+</p:notes>
+</file>
+
+<file path=ppt/notesSlides/notesSlide3.xml><?xml version="1.0" encoding="utf-8"?>
+<p:notes xmlns:a="http://schemas.openxmlformats.org/drawingml/2006/main" xmlns:r="http://schemas.openxmlformats.org/officeDocument/2006/relationships" xmlns:p="http://schemas.openxmlformats.org/presentationml/2006/main">
+  <p:cSld>
+    <p:spTree>
+      <p:nvGrpSpPr>
+        <p:cNvPr id="1" name=""/>
+        <p:cNvGrpSpPr/>
+        <p:nvPr/>
+      </p:nvGrpSpPr>
+      <p:grpSpPr>
+        <a:xfrm>
+          <a:off x="0" y="0"/>
+          <a:ext cx="0" cy="0"/>
+          <a:chOff x="0" y="0"/>
+          <a:chExt cx="0" cy="0"/>
+        </a:xfrm>
+      </p:grpSpPr>
+      <p:sp>
+        <p:nvSpPr>
+          <p:cNvPr id="2" name="Slide Image Placeholder 1"/>
+          <p:cNvSpPr>
+            <a:spLocks noGrp="1" noRot="1" noChangeAspect="1"/>
+          </p:cNvSpPr>
+          <p:nvPr>
+            <p:ph type="sldImg"/>
+          </p:nvPr>
+        </p:nvSpPr>
+        <p:spPr/>
+      </p:sp>
+      <p:sp>
+        <p:nvSpPr>
+          <p:cNvPr id="3" name="Notes Placeholder 2"/>
+          <p:cNvSpPr>
+            <a:spLocks noGrp="1"/>
+          </p:cNvSpPr>
+          <p:nvPr>
+            <p:ph type="body" idx="1"/>
+          </p:nvPr>
+        </p:nvSpPr>
+        <p:spPr/>
+        <p:txBody>
+          <a:bodyPr/>
+          <a:lstStyle/>
+          <a:p>
+            <a:r>
+              <a:rPr lang="en-US" dirty="0" smtClean="0"/>
+              <a:t>This meant that we</a:t>
+            </a:r>
+            <a:r>
+              <a:rPr lang="en-US" baseline="0" dirty="0" smtClean="0"/>
+              <a:t> needed to process the data further and use different metrics </a:t>
+            </a:r>
+            <a:endParaRPr lang="en-US" dirty="0"/>
+          </a:p>
+        </p:txBody>
+      </p:sp>
+      <p:sp>
+        <p:nvSpPr>
+          <p:cNvPr id="4" name="Slide Number Placeholder 3"/>
+          <p:cNvSpPr>
+            <a:spLocks noGrp="1"/>
+          </p:cNvSpPr>
+          <p:nvPr>
+            <p:ph type="sldNum" sz="quarter" idx="10"/>
+          </p:nvPr>
+        </p:nvSpPr>
+        <p:spPr/>
+        <p:txBody>
+          <a:bodyPr/>
+          <a:lstStyle/>
+          <a:p>
+            <a:fld id="{EB60BC7F-C7BB-9D4D-944B-F34C628F7356}" type="slidenum">
+              <a:rPr lang="en-US" smtClean="0"/>
+              <a:t>4</a:t>
+            </a:fld>
+            <a:endParaRPr lang="en-US"/>
+          </a:p>
+        </p:txBody>
+      </p:sp>
+    </p:spTree>
+    <p:extLst>
+      <p:ext uri="{BB962C8B-B14F-4D97-AF65-F5344CB8AC3E}">
+        <p14:creationId xmlns:p14="http://schemas.microsoft.com/office/powerpoint/2010/main" val="987852728"/>
+      </p:ext>
+    </p:extLst>
+  </p:cSld>
+  <p:clrMapOvr>
+    <a:masterClrMapping/>
+  </p:clrMapOvr>
+</p:notes>
+</file>
+
+<file path=ppt/notesSlides/notesSlide4.xml><?xml version="1.0" encoding="utf-8"?>
+<p:notes xmlns:a="http://schemas.openxmlformats.org/drawingml/2006/main" xmlns:r="http://schemas.openxmlformats.org/officeDocument/2006/relationships" xmlns:p="http://schemas.openxmlformats.org/presentationml/2006/main">
+  <p:cSld>
+    <p:spTree>
+      <p:nvGrpSpPr>
+        <p:cNvPr id="1" name=""/>
+        <p:cNvGrpSpPr/>
+        <p:nvPr/>
+      </p:nvGrpSpPr>
+      <p:grpSpPr>
+        <a:xfrm>
+          <a:off x="0" y="0"/>
+          <a:ext cx="0" cy="0"/>
+          <a:chOff x="0" y="0"/>
+          <a:chExt cx="0" cy="0"/>
+        </a:xfrm>
+      </p:grpSpPr>
+      <p:sp>
+        <p:nvSpPr>
+          <p:cNvPr id="2" name="Slide Image Placeholder 1"/>
+          <p:cNvSpPr>
+            <a:spLocks noGrp="1" noRot="1" noChangeAspect="1"/>
+          </p:cNvSpPr>
+          <p:nvPr>
+            <p:ph type="sldImg"/>
+          </p:nvPr>
+        </p:nvSpPr>
+        <p:spPr/>
+      </p:sp>
+      <p:sp>
+        <p:nvSpPr>
+          <p:cNvPr id="3" name="Notes Placeholder 2"/>
+          <p:cNvSpPr>
+            <a:spLocks noGrp="1"/>
+          </p:cNvSpPr>
+          <p:nvPr>
+            <p:ph type="body" idx="1"/>
+          </p:nvPr>
+        </p:nvSpPr>
+        <p:spPr/>
+        <p:txBody>
+          <a:bodyPr/>
+          <a:lstStyle/>
+          <a:p>
+            <a:pPr marL="171450" indent="-171450">
+              <a:buFont typeface="Arial" charset="0"/>
+              <a:buChar char="•"/>
+            </a:pPr>
+            <a:r>
+              <a:rPr lang="en-US" dirty="0" smtClean="0"/>
+              <a:t>Meaning less</a:t>
+            </a:r>
+            <a:r>
+              <a:rPr lang="en-US" baseline="0" dirty="0" smtClean="0"/>
+              <a:t> than 10% of the traps had spraying data</a:t>
+            </a:r>
+          </a:p>
+          <a:p>
+            <a:pPr marL="171450" indent="-171450">
+              <a:buFont typeface="Arial" charset="0"/>
+              <a:buChar char="•"/>
+            </a:pPr>
+            <a:r>
+              <a:rPr lang="en-US" baseline="0" dirty="0" smtClean="0"/>
+              <a:t>And out of these matches, spraying was not informative (doesn’t have a relationship with WNV)</a:t>
+            </a:r>
+            <a:endParaRPr lang="en-US" dirty="0"/>
+          </a:p>
+        </p:txBody>
+      </p:sp>
+      <p:sp>
+        <p:nvSpPr>
+          <p:cNvPr id="4" name="Slide Number Placeholder 3"/>
+          <p:cNvSpPr>
+            <a:spLocks noGrp="1"/>
+          </p:cNvSpPr>
+          <p:nvPr>
+            <p:ph type="sldNum" sz="quarter" idx="10"/>
+          </p:nvPr>
+        </p:nvSpPr>
+        <p:spPr/>
+        <p:txBody>
+          <a:bodyPr/>
+          <a:lstStyle/>
+          <a:p>
+            <a:fld id="{EB60BC7F-C7BB-9D4D-944B-F34C628F7356}" type="slidenum">
+              <a:rPr lang="en-US" smtClean="0"/>
+              <a:t>5</a:t>
+            </a:fld>
+            <a:endParaRPr lang="en-US"/>
+          </a:p>
+        </p:txBody>
+      </p:sp>
+    </p:spTree>
+    <p:extLst>
+      <p:ext uri="{BB962C8B-B14F-4D97-AF65-F5344CB8AC3E}">
+        <p14:creationId xmlns:p14="http://schemas.microsoft.com/office/powerpoint/2010/main" val="2006046718"/>
+      </p:ext>
+    </p:extLst>
+  </p:cSld>
+  <p:clrMapOvr>
+    <a:masterClrMapping/>
+  </p:clrMapOvr>
+</p:notes>
+</file>
+
+<file path=ppt/notesSlides/notesSlide5.xml><?xml version="1.0" encoding="utf-8"?>
+<p:notes xmlns:a="http://schemas.openxmlformats.org/drawingml/2006/main" xmlns:r="http://schemas.openxmlformats.org/officeDocument/2006/relationships" xmlns:p="http://schemas.openxmlformats.org/presentationml/2006/main">
+  <p:cSld>
+    <p:spTree>
+      <p:nvGrpSpPr>
+        <p:cNvPr id="1" name=""/>
+        <p:cNvGrpSpPr/>
+        <p:nvPr/>
+      </p:nvGrpSpPr>
+      <p:grpSpPr>
+        <a:xfrm>
+          <a:off x="0" y="0"/>
+          <a:ext cx="0" cy="0"/>
+          <a:chOff x="0" y="0"/>
+          <a:chExt cx="0" cy="0"/>
+        </a:xfrm>
+      </p:grpSpPr>
+      <p:sp>
+        <p:nvSpPr>
+          <p:cNvPr id="2" name="Slide Image Placeholder 1"/>
+          <p:cNvSpPr>
+            <a:spLocks noGrp="1" noRot="1" noChangeAspect="1"/>
+          </p:cNvSpPr>
+          <p:nvPr>
+            <p:ph type="sldImg"/>
+          </p:nvPr>
+        </p:nvSpPr>
+        <p:spPr/>
+      </p:sp>
+      <p:sp>
+        <p:nvSpPr>
+          <p:cNvPr id="3" name="Notes Placeholder 2"/>
+          <p:cNvSpPr>
+            <a:spLocks noGrp="1"/>
+          </p:cNvSpPr>
+          <p:nvPr>
+            <p:ph type="body" idx="1"/>
+          </p:nvPr>
+        </p:nvSpPr>
+        <p:spPr/>
+        <p:txBody>
+          <a:bodyPr/>
+          <a:lstStyle/>
+          <a:p>
+            <a:endParaRPr lang="en-US" dirty="0"/>
+          </a:p>
+        </p:txBody>
+      </p:sp>
+      <p:sp>
+        <p:nvSpPr>
+          <p:cNvPr id="4" name="Slide Number Placeholder 3"/>
+          <p:cNvSpPr>
+            <a:spLocks noGrp="1"/>
+          </p:cNvSpPr>
+          <p:nvPr>
+            <p:ph type="sldNum" sz="quarter" idx="10"/>
+          </p:nvPr>
+        </p:nvSpPr>
+        <p:spPr/>
+        <p:txBody>
+          <a:bodyPr/>
+          <a:lstStyle/>
+          <a:p>
+            <a:fld id="{EB60BC7F-C7BB-9D4D-944B-F34C628F7356}" type="slidenum">
+              <a:rPr lang="en-US" smtClean="0"/>
+              <a:t>11</a:t>
+            </a:fld>
+            <a:endParaRPr lang="en-US"/>
+          </a:p>
+        </p:txBody>
+      </p:sp>
+    </p:spTree>
+    <p:extLst>
+      <p:ext uri="{BB962C8B-B14F-4D97-AF65-F5344CB8AC3E}">
+        <p14:creationId xmlns:p14="http://schemas.microsoft.com/office/powerpoint/2010/main" val="1527015920"/>
+      </p:ext>
+    </p:extLst>
+  </p:cSld>
+  <p:clrMapOvr>
+    <a:masterClrMapping/>
+  </p:clrMapOvr>
+</p:notes>
+</file>
+
 <file path=ppt/slideLayouts/slideLayout1.xml><?xml version="1.0" encoding="utf-8"?>
 <p:sldLayout xmlns:a="http://schemas.openxmlformats.org/drawingml/2006/main" xmlns:r="http://schemas.openxmlformats.org/officeDocument/2006/relationships" xmlns:p="http://schemas.openxmlformats.org/presentationml/2006/main" type="title" preserve="1">
   <p:cSld name="Title Slide">
@@ -255,7 +1152,7 @@
           <a:p>
             <a:fld id="{D52E72C0-D206-B74A-A9B3-284CFF94A49A}" type="datetimeFigureOut">
               <a:rPr lang="en-US" smtClean="0"/>
-              <a:t>3/19/19</a:t>
+              <a:t>3/21/19</a:t>
             </a:fld>
             <a:endParaRPr lang="en-US"/>
           </a:p>
@@ -425,7 +1322,7 @@
           <a:p>
             <a:fld id="{D52E72C0-D206-B74A-A9B3-284CFF94A49A}" type="datetimeFigureOut">
               <a:rPr lang="en-US" smtClean="0"/>
-              <a:t>3/19/19</a:t>
+              <a:t>3/21/19</a:t>
             </a:fld>
             <a:endParaRPr lang="en-US"/>
           </a:p>
@@ -605,7 +1502,7 @@
           <a:p>
             <a:fld id="{D52E72C0-D206-B74A-A9B3-284CFF94A49A}" type="datetimeFigureOut">
               <a:rPr lang="en-US" smtClean="0"/>
-              <a:t>3/19/19</a:t>
+              <a:t>3/21/19</a:t>
             </a:fld>
             <a:endParaRPr lang="en-US"/>
           </a:p>
@@ -775,7 +1672,7 @@
           <a:p>
             <a:fld id="{D52E72C0-D206-B74A-A9B3-284CFF94A49A}" type="datetimeFigureOut">
               <a:rPr lang="en-US" smtClean="0"/>
-              <a:t>3/19/19</a:t>
+              <a:t>3/21/19</a:t>
             </a:fld>
             <a:endParaRPr lang="en-US"/>
           </a:p>
@@ -1021,7 +1918,7 @@
           <a:p>
             <a:fld id="{D52E72C0-D206-B74A-A9B3-284CFF94A49A}" type="datetimeFigureOut">
               <a:rPr lang="en-US" smtClean="0"/>
-              <a:t>3/19/19</a:t>
+              <a:t>3/21/19</a:t>
             </a:fld>
             <a:endParaRPr lang="en-US"/>
           </a:p>
@@ -1253,7 +2150,7 @@
           <a:p>
             <a:fld id="{D52E72C0-D206-B74A-A9B3-284CFF94A49A}" type="datetimeFigureOut">
               <a:rPr lang="en-US" smtClean="0"/>
-              <a:t>3/19/19</a:t>
+              <a:t>3/21/19</a:t>
             </a:fld>
             <a:endParaRPr lang="en-US"/>
           </a:p>
@@ -1620,7 +2517,7 @@
           <a:p>
             <a:fld id="{D52E72C0-D206-B74A-A9B3-284CFF94A49A}" type="datetimeFigureOut">
               <a:rPr lang="en-US" smtClean="0"/>
-              <a:t>3/19/19</a:t>
+              <a:t>3/21/19</a:t>
             </a:fld>
             <a:endParaRPr lang="en-US"/>
           </a:p>
@@ -1738,7 +2635,7 @@
           <a:p>
             <a:fld id="{D52E72C0-D206-B74A-A9B3-284CFF94A49A}" type="datetimeFigureOut">
               <a:rPr lang="en-US" smtClean="0"/>
-              <a:t>3/19/19</a:t>
+              <a:t>3/21/19</a:t>
             </a:fld>
             <a:endParaRPr lang="en-US"/>
           </a:p>
@@ -1833,7 +2730,7 @@
           <a:p>
             <a:fld id="{D52E72C0-D206-B74A-A9B3-284CFF94A49A}" type="datetimeFigureOut">
               <a:rPr lang="en-US" smtClean="0"/>
-              <a:t>3/19/19</a:t>
+              <a:t>3/21/19</a:t>
             </a:fld>
             <a:endParaRPr lang="en-US"/>
           </a:p>
@@ -2110,7 +3007,7 @@
           <a:p>
             <a:fld id="{D52E72C0-D206-B74A-A9B3-284CFF94A49A}" type="datetimeFigureOut">
               <a:rPr lang="en-US" smtClean="0"/>
-              <a:t>3/19/19</a:t>
+              <a:t>3/21/19</a:t>
             </a:fld>
             <a:endParaRPr lang="en-US"/>
           </a:p>
@@ -2363,7 +3260,7 @@
           <a:p>
             <a:fld id="{D52E72C0-D206-B74A-A9B3-284CFF94A49A}" type="datetimeFigureOut">
               <a:rPr lang="en-US" smtClean="0"/>
-              <a:t>3/19/19</a:t>
+              <a:t>3/21/19</a:t>
             </a:fld>
             <a:endParaRPr lang="en-US"/>
           </a:p>
@@ -2576,7 +3473,7 @@
           <a:p>
             <a:fld id="{D52E72C0-D206-B74A-A9B3-284CFF94A49A}" type="datetimeFigureOut">
               <a:rPr lang="en-US" smtClean="0"/>
-              <a:t>3/19/19</a:t>
+              <a:t>3/21/19</a:t>
             </a:fld>
             <a:endParaRPr lang="en-US"/>
           </a:p>
@@ -3104,7 +4001,7 @@
           <p:nvPr/>
         </p:nvPicPr>
         <p:blipFill>
-          <a:blip r:embed="rId2">
+          <a:blip r:embed="rId3">
             <a:extLst>
               <a:ext uri="{28A0092B-C50C-407E-A947-70E740481C1C}">
                 <a14:useLocalDpi xmlns:a14="http://schemas.microsoft.com/office/drawing/2010/main" val="0"/>
@@ -3134,7 +4031,7 @@
           <p:nvPr/>
         </p:nvPicPr>
         <p:blipFill>
-          <a:blip r:embed="rId3">
+          <a:blip r:embed="rId4">
             <a:extLst>
               <a:ext uri="{28A0092B-C50C-407E-A947-70E740481C1C}">
                 <a14:useLocalDpi xmlns:a14="http://schemas.microsoft.com/office/drawing/2010/main" val="0"/>
@@ -5253,13 +6150,7 @@
               <a:rPr lang="en-US" altLang="en-US" sz="1600" dirty="0">
                 <a:latin typeface="+mj-lt"/>
               </a:rPr>
-              <a:t>of </a:t>
-            </a:r>
-            <a:r>
-              <a:rPr lang="en-US" altLang="en-US" sz="1600" dirty="0">
-                <a:latin typeface="+mj-lt"/>
-              </a:rPr>
-              <a:t>WNV </a:t>
+              <a:t>of WNV </a:t>
             </a:r>
             <a:r>
               <a:rPr kumimoji="0" lang="en-US" altLang="en-US" sz="1600" b="0" i="0" strike="noStrike" cap="none" normalizeH="0" baseline="0" dirty="0" smtClean="0">
@@ -5583,31 +6474,31 @@
             </a:r>
             <a:r>
               <a:rPr lang="en-US" sz="1400" dirty="0" smtClean="0">
-                <a:hlinkClick r:id="rId2"/>
+                <a:hlinkClick r:id="rId3"/>
               </a:rPr>
               <a:t>https://</a:t>
             </a:r>
             <a:r>
               <a:rPr lang="en-US" sz="1400" dirty="0" err="1" smtClean="0">
-                <a:hlinkClick r:id="rId2"/>
+                <a:hlinkClick r:id="rId3"/>
               </a:rPr>
               <a:t>www.kaggle.com</a:t>
             </a:r>
             <a:r>
               <a:rPr lang="en-US" sz="1400" dirty="0" smtClean="0">
-                <a:hlinkClick r:id="rId2"/>
+                <a:hlinkClick r:id="rId3"/>
               </a:rPr>
               <a:t>/c/predict-west-</a:t>
             </a:r>
             <a:r>
               <a:rPr lang="en-US" sz="1400" dirty="0" err="1" smtClean="0">
-                <a:hlinkClick r:id="rId2"/>
+                <a:hlinkClick r:id="rId3"/>
               </a:rPr>
               <a:t>nile</a:t>
             </a:r>
             <a:r>
               <a:rPr lang="en-US" sz="1400" dirty="0" smtClean="0">
-                <a:hlinkClick r:id="rId2"/>
+                <a:hlinkClick r:id="rId3"/>
               </a:rPr>
               <a:t>-virus</a:t>
             </a:r>
@@ -5968,13 +6859,7 @@
               <a:rPr lang="en-US" altLang="en-US" sz="1600" dirty="0">
                 <a:latin typeface="+mj-lt"/>
               </a:rPr>
-              <a:t>cases of </a:t>
-            </a:r>
-            <a:r>
-              <a:rPr lang="en-US" altLang="en-US" sz="1600" dirty="0">
-                <a:latin typeface="+mj-lt"/>
-              </a:rPr>
-              <a:t>WNV </a:t>
+              <a:t>cases of WNV </a:t>
             </a:r>
             <a:r>
               <a:rPr kumimoji="0" lang="en-US" altLang="en-US" sz="1600" b="0" i="0" strike="noStrike" cap="none" normalizeH="0" baseline="0" dirty="0" smtClean="0">
@@ -6648,15 +7533,7 @@
             <a:pPr lvl="1"/>
             <a:r>
               <a:rPr lang="en-US" dirty="0" smtClean="0"/>
-              <a:t>Train dataset has informative features </a:t>
-            </a:r>
-            <a:r>
-              <a:rPr lang="en-US" dirty="0" smtClean="0"/>
-              <a:t>( e.g. number </a:t>
-            </a:r>
-            <a:r>
-              <a:rPr lang="en-US" dirty="0" smtClean="0"/>
-              <a:t>of mosquitos, species)</a:t>
+              <a:t>Train dataset has informative features ( e.g. number of mosquitos, species)</a:t>
             </a:r>
             <a:endParaRPr lang="en-US" dirty="0"/>
           </a:p>
@@ -6739,11 +7616,7 @@
             </a:pPr>
             <a:r>
               <a:rPr lang="en-US" dirty="0" smtClean="0"/>
-              <a:t>Initial prediction efforts </a:t>
-            </a:r>
-            <a:r>
-              <a:rPr lang="en-US" dirty="0" smtClean="0"/>
-              <a:t>with this raw dataset shows that </a:t>
+              <a:t>Initial prediction efforts with this raw dataset shows that </a:t>
             </a:r>
             <a:r>
               <a:rPr lang="en-US" dirty="0"/>
@@ -6751,15 +7624,7 @@
             </a:r>
             <a:r>
               <a:rPr lang="en-US" dirty="0" smtClean="0"/>
-              <a:t>ccuracy </a:t>
-            </a:r>
-            <a:r>
-              <a:rPr lang="en-US" dirty="0" smtClean="0"/>
-              <a:t>is deceivingly high ~95</a:t>
-            </a:r>
-            <a:r>
-              <a:rPr lang="en-US" dirty="0" smtClean="0"/>
-              <a:t>%. </a:t>
+              <a:t>ccuracy is deceivingly high ~95%. </a:t>
             </a:r>
             <a:r>
               <a:rPr lang="en-US" dirty="0"/>
@@ -6767,11 +7632,7 @@
             </a:r>
             <a:r>
               <a:rPr lang="en-US" dirty="0" smtClean="0"/>
-              <a:t>hat’s </a:t>
-            </a:r>
-            <a:r>
-              <a:rPr lang="en-US" dirty="0" smtClean="0"/>
-              <a:t>because rate of WNV is very low (~5%). </a:t>
+              <a:t>hat’s because rate of WNV is very low (~5%). </a:t>
             </a:r>
           </a:p>
           <a:p>
@@ -6781,31 +7642,7 @@
             </a:pPr>
             <a:r>
               <a:rPr lang="en-US" dirty="0" smtClean="0"/>
-              <a:t>This means that </a:t>
-            </a:r>
-            <a:r>
-              <a:rPr lang="en-US" dirty="0" smtClean="0"/>
-              <a:t>without feature engineering and data enrichment from other datasets we </a:t>
-            </a:r>
-            <a:r>
-              <a:rPr lang="en-US" dirty="0" smtClean="0"/>
-              <a:t>can get at most, a model that is deceivingly sensitive </a:t>
-            </a:r>
-            <a:r>
-              <a:rPr lang="en-US" dirty="0" smtClean="0"/>
-              <a:t>(sensitivity=75</a:t>
-            </a:r>
-            <a:r>
-              <a:rPr lang="en-US" dirty="0" smtClean="0"/>
-              <a:t>%) and entirely not precise </a:t>
-            </a:r>
-            <a:r>
-              <a:rPr lang="en-US" dirty="0" smtClean="0"/>
-              <a:t>(Precision=4</a:t>
-            </a:r>
-            <a:r>
-              <a:rPr lang="en-US" dirty="0" smtClean="0"/>
-              <a:t>%). </a:t>
+              <a:t>This means that without feature engineering and data enrichment from other datasets we can get at most, a model that is deceivingly sensitive (sensitivity=75%) and entirely not precise (Precision=4%). </a:t>
             </a:r>
           </a:p>
         </p:txBody>
@@ -7056,31 +7893,7 @@
             <a:pPr lvl="1"/>
             <a:r>
               <a:rPr lang="en-US" dirty="0" smtClean="0"/>
-              <a:t>The Spray dataset’s low number of relevant instances (observations) and lack of significant relationship to </a:t>
-            </a:r>
-            <a:r>
-              <a:rPr lang="en-US" dirty="0" smtClean="0"/>
-              <a:t>WNV, </a:t>
-            </a:r>
-            <a:r>
-              <a:rPr lang="en-US" dirty="0" smtClean="0"/>
-              <a:t>deems it un-informative to our </a:t>
-            </a:r>
-            <a:r>
-              <a:rPr lang="en-US" dirty="0" smtClean="0"/>
-              <a:t>purpose </a:t>
-            </a:r>
-            <a:r>
-              <a:rPr lang="en-US" dirty="0" smtClean="0"/>
-              <a:t>to enrich the </a:t>
-            </a:r>
-            <a:r>
-              <a:rPr lang="en-US" dirty="0" smtClean="0"/>
-              <a:t>main</a:t>
-            </a:r>
-            <a:r>
-              <a:rPr lang="en-US" dirty="0" smtClean="0"/>
-              <a:t> “Train” dataset, so we can ignore it</a:t>
+              <a:t>The Spray dataset’s low number of relevant instances (observations) and lack of significant relationship to WNV, deems it un-informative to our purpose to enrich the main “Train” dataset, so we can ignore it</a:t>
             </a:r>
             <a:endParaRPr lang="en-US" dirty="0"/>
           </a:p>
@@ -7140,11 +7953,7 @@
           <a:p>
             <a:r>
               <a:rPr lang="en-US" b="1" dirty="0" smtClean="0"/>
-              <a:t>“Spray” </a:t>
-            </a:r>
-            <a:r>
-              <a:rPr lang="en-US" b="1" dirty="0" smtClean="0"/>
-              <a:t>(Supplementary) Dataset</a:t>
+              <a:t>“Spray” (Supplementary) Dataset</a:t>
             </a:r>
             <a:endParaRPr lang="en-US" b="1" dirty="0"/>
           </a:p>
@@ -7202,31 +8011,7 @@
             <a:pPr lvl="1"/>
             <a:r>
               <a:rPr lang="en-US" dirty="0" smtClean="0"/>
-              <a:t>After conducting rigorous f</a:t>
-            </a:r>
-            <a:r>
-              <a:rPr lang="en-US" dirty="0" smtClean="0"/>
-              <a:t>eature e</a:t>
-            </a:r>
-            <a:r>
-              <a:rPr lang="en-US" dirty="0" smtClean="0"/>
-              <a:t>ngineering, the newly engineered weather features became </a:t>
-            </a:r>
-            <a:r>
-              <a:rPr lang="en-US" dirty="0" smtClean="0"/>
-              <a:t>highly informative </a:t>
-            </a:r>
-            <a:r>
-              <a:rPr lang="en-US" dirty="0" smtClean="0"/>
-              <a:t>which provides strong </a:t>
-            </a:r>
-            <a:r>
-              <a:rPr lang="en-US" dirty="0" smtClean="0"/>
-              <a:t>prediction </a:t>
-            </a:r>
-            <a:r>
-              <a:rPr lang="en-US" dirty="0" smtClean="0"/>
-              <a:t>power for WNV cases</a:t>
+              <a:t>After conducting rigorous feature engineering, the newly engineered weather features became highly informative which provides strong prediction power for WNV cases</a:t>
             </a:r>
             <a:endParaRPr lang="en-US" dirty="0"/>
           </a:p>
@@ -7256,15 +8041,7 @@
           <a:p>
             <a:r>
               <a:rPr lang="en-US" b="1" dirty="0" smtClean="0"/>
-              <a:t>“Weather</a:t>
-            </a:r>
-            <a:r>
-              <a:rPr lang="en-US" b="1" dirty="0" smtClean="0"/>
-              <a:t>” (Supplementary)  </a:t>
-            </a:r>
-            <a:r>
-              <a:rPr lang="en-US" b="1" dirty="0" smtClean="0"/>
-              <a:t>Dataset</a:t>
+              <a:t>“Weather” (Supplementary)  Dataset</a:t>
             </a:r>
             <a:endParaRPr lang="en-US" b="1" dirty="0"/>
           </a:p>
@@ -9583,4 +10360,265 @@
     </a:ext>
   </a:extLst>
 </a:theme>
+</file>
+
+<file path=ppt/theme/theme2.xml><?xml version="1.0" encoding="utf-8"?>
+<a:theme xmlns:a="http://schemas.openxmlformats.org/drawingml/2006/main" name="Office Theme">
+  <a:themeElements>
+    <a:clrScheme name="Office">
+      <a:dk1>
+        <a:sysClr val="windowText" lastClr="000000"/>
+      </a:dk1>
+      <a:lt1>
+        <a:sysClr val="window" lastClr="FFFFFF"/>
+      </a:lt1>
+      <a:dk2>
+        <a:srgbClr val="44546A"/>
+      </a:dk2>
+      <a:lt2>
+        <a:srgbClr val="E7E6E6"/>
+      </a:lt2>
+      <a:accent1>
+        <a:srgbClr val="5B9BD5"/>
+      </a:accent1>
+      <a:accent2>
+        <a:srgbClr val="ED7D31"/>
+      </a:accent2>
+      <a:accent3>
+        <a:srgbClr val="A5A5A5"/>
+      </a:accent3>
+      <a:accent4>
+        <a:srgbClr val="FFC000"/>
+      </a:accent4>
+      <a:accent5>
+        <a:srgbClr val="4472C4"/>
+      </a:accent5>
+      <a:accent6>
+        <a:srgbClr val="70AD47"/>
+      </a:accent6>
+      <a:hlink>
+        <a:srgbClr val="0563C1"/>
+      </a:hlink>
+      <a:folHlink>
+        <a:srgbClr val="954F72"/>
+      </a:folHlink>
+    </a:clrScheme>
+    <a:fontScheme name="Office">
+      <a:majorFont>
+        <a:latin typeface="Calibri Light" panose="020F0302020204030204"/>
+        <a:ea typeface=""/>
+        <a:cs typeface=""/>
+        <a:font script="Jpan" typeface="Yu Gothic Light"/>
+        <a:font script="Hang" typeface="맑은 고딕"/>
+        <a:font script="Hans" typeface="DengXian Light"/>
+        <a:font script="Hant" typeface="新細明體"/>
+        <a:font script="Arab" typeface="Times New Roman"/>
+        <a:font script="Hebr" typeface="Times New Roman"/>
+        <a:font script="Thai" typeface="Angsana New"/>
+        <a:font script="Ethi" typeface="Nyala"/>
+        <a:font script="Beng" typeface="Vrinda"/>
+        <a:font script="Gujr" typeface="Shruti"/>
+        <a:font script="Khmr" typeface="MoolBoran"/>
+        <a:font script="Knda" typeface="Tunga"/>
+        <a:font script="Guru" typeface="Raavi"/>
+        <a:font script="Cans" typeface="Euphemia"/>
+        <a:font script="Cher" typeface="Plantagenet Cherokee"/>
+        <a:font script="Yiii" typeface="Microsoft Yi Baiti"/>
+        <a:font script="Tibt" typeface="Microsoft Himalaya"/>
+        <a:font script="Thaa" typeface="MV Boli"/>
+        <a:font script="Deva" typeface="Mangal"/>
+        <a:font script="Telu" typeface="Gautami"/>
+        <a:font script="Taml" typeface="Latha"/>
+        <a:font script="Syrc" typeface="Estrangelo Edessa"/>
+        <a:font script="Orya" typeface="Kalinga"/>
+        <a:font script="Mlym" typeface="Kartika"/>
+        <a:font script="Laoo" typeface="DokChampa"/>
+        <a:font script="Sinh" typeface="Iskoola Pota"/>
+        <a:font script="Mong" typeface="Mongolian Baiti"/>
+        <a:font script="Viet" typeface="Times New Roman"/>
+        <a:font script="Uigh" typeface="Microsoft Uighur"/>
+        <a:font script="Geor" typeface="Sylfaen"/>
+      </a:majorFont>
+      <a:minorFont>
+        <a:latin typeface="Calibri" panose="020F0502020204030204"/>
+        <a:ea typeface=""/>
+        <a:cs typeface=""/>
+        <a:font script="Jpan" typeface="Yu Gothic"/>
+        <a:font script="Hang" typeface="맑은 고딕"/>
+        <a:font script="Hans" typeface="DengXian"/>
+        <a:font script="Hant" typeface="新細明體"/>
+        <a:font script="Arab" typeface="Arial"/>
+        <a:font script="Hebr" typeface="Arial"/>
+        <a:font script="Thai" typeface="Cordia New"/>
+        <a:font script="Ethi" typeface="Nyala"/>
+        <a:font script="Beng" typeface="Vrinda"/>
+        <a:font script="Gujr" typeface="Shruti"/>
+        <a:font script="Khmr" typeface="DaunPenh"/>
+        <a:font script="Knda" typeface="Tunga"/>
+        <a:font script="Guru" typeface="Raavi"/>
+        <a:font script="Cans" typeface="Euphemia"/>
+        <a:font script="Cher" typeface="Plantagenet Cherokee"/>
+        <a:font script="Yiii" typeface="Microsoft Yi Baiti"/>
+        <a:font script="Tibt" typeface="Microsoft Himalaya"/>
+        <a:font script="Thaa" typeface="MV Boli"/>
+        <a:font script="Deva" typeface="Mangal"/>
+        <a:font script="Telu" typeface="Gautami"/>
+        <a:font script="Taml" typeface="Latha"/>
+        <a:font script="Syrc" typeface="Estrangelo Edessa"/>
+        <a:font script="Orya" typeface="Kalinga"/>
+        <a:font script="Mlym" typeface="Kartika"/>
+        <a:font script="Laoo" typeface="DokChampa"/>
+        <a:font script="Sinh" typeface="Iskoola Pota"/>
+        <a:font script="Mong" typeface="Mongolian Baiti"/>
+        <a:font script="Viet" typeface="Arial"/>
+        <a:font script="Uigh" typeface="Microsoft Uighur"/>
+        <a:font script="Geor" typeface="Sylfaen"/>
+      </a:minorFont>
+    </a:fontScheme>
+    <a:fmtScheme name="Office">
+      <a:fillStyleLst>
+        <a:solidFill>
+          <a:schemeClr val="phClr"/>
+        </a:solidFill>
+        <a:gradFill rotWithShape="1">
+          <a:gsLst>
+            <a:gs pos="0">
+              <a:schemeClr val="phClr">
+                <a:lumMod val="110000"/>
+                <a:satMod val="105000"/>
+                <a:tint val="67000"/>
+              </a:schemeClr>
+            </a:gs>
+            <a:gs pos="50000">
+              <a:schemeClr val="phClr">
+                <a:lumMod val="105000"/>
+                <a:satMod val="103000"/>
+                <a:tint val="73000"/>
+              </a:schemeClr>
+            </a:gs>
+            <a:gs pos="100000">
+              <a:schemeClr val="phClr">
+                <a:lumMod val="105000"/>
+                <a:satMod val="109000"/>
+                <a:tint val="81000"/>
+              </a:schemeClr>
+            </a:gs>
+          </a:gsLst>
+          <a:lin ang="5400000" scaled="0"/>
+        </a:gradFill>
+        <a:gradFill rotWithShape="1">
+          <a:gsLst>
+            <a:gs pos="0">
+              <a:schemeClr val="phClr">
+                <a:satMod val="103000"/>
+                <a:lumMod val="102000"/>
+                <a:tint val="94000"/>
+              </a:schemeClr>
+            </a:gs>
+            <a:gs pos="50000">
+              <a:schemeClr val="phClr">
+                <a:satMod val="110000"/>
+                <a:lumMod val="100000"/>
+                <a:shade val="100000"/>
+              </a:schemeClr>
+            </a:gs>
+            <a:gs pos="100000">
+              <a:schemeClr val="phClr">
+                <a:lumMod val="99000"/>
+                <a:satMod val="120000"/>
+                <a:shade val="78000"/>
+              </a:schemeClr>
+            </a:gs>
+          </a:gsLst>
+          <a:lin ang="5400000" scaled="0"/>
+        </a:gradFill>
+      </a:fillStyleLst>
+      <a:lnStyleLst>
+        <a:ln w="6350" cap="flat" cmpd="sng" algn="ctr">
+          <a:solidFill>
+            <a:schemeClr val="phClr"/>
+          </a:solidFill>
+          <a:prstDash val="solid"/>
+          <a:miter lim="800000"/>
+        </a:ln>
+        <a:ln w="12700" cap="flat" cmpd="sng" algn="ctr">
+          <a:solidFill>
+            <a:schemeClr val="phClr"/>
+          </a:solidFill>
+          <a:prstDash val="solid"/>
+          <a:miter lim="800000"/>
+        </a:ln>
+        <a:ln w="19050" cap="flat" cmpd="sng" algn="ctr">
+          <a:solidFill>
+            <a:schemeClr val="phClr"/>
+          </a:solidFill>
+          <a:prstDash val="solid"/>
+          <a:miter lim="800000"/>
+        </a:ln>
+      </a:lnStyleLst>
+      <a:effectStyleLst>
+        <a:effectStyle>
+          <a:effectLst/>
+        </a:effectStyle>
+        <a:effectStyle>
+          <a:effectLst/>
+        </a:effectStyle>
+        <a:effectStyle>
+          <a:effectLst>
+            <a:outerShdw blurRad="57150" dist="19050" dir="5400000" algn="ctr" rotWithShape="0">
+              <a:srgbClr val="000000">
+                <a:alpha val="63000"/>
+              </a:srgbClr>
+            </a:outerShdw>
+          </a:effectLst>
+        </a:effectStyle>
+      </a:effectStyleLst>
+      <a:bgFillStyleLst>
+        <a:solidFill>
+          <a:schemeClr val="phClr"/>
+        </a:solidFill>
+        <a:solidFill>
+          <a:schemeClr val="phClr">
+            <a:tint val="95000"/>
+            <a:satMod val="170000"/>
+          </a:schemeClr>
+        </a:solidFill>
+        <a:gradFill rotWithShape="1">
+          <a:gsLst>
+            <a:gs pos="0">
+              <a:schemeClr val="phClr">
+                <a:tint val="93000"/>
+                <a:satMod val="150000"/>
+                <a:shade val="98000"/>
+                <a:lumMod val="102000"/>
+              </a:schemeClr>
+            </a:gs>
+            <a:gs pos="50000">
+              <a:schemeClr val="phClr">
+                <a:tint val="98000"/>
+                <a:satMod val="130000"/>
+                <a:shade val="90000"/>
+                <a:lumMod val="103000"/>
+              </a:schemeClr>
+            </a:gs>
+            <a:gs pos="100000">
+              <a:schemeClr val="phClr">
+                <a:shade val="63000"/>
+                <a:satMod val="120000"/>
+              </a:schemeClr>
+            </a:gs>
+          </a:gsLst>
+          <a:lin ang="5400000" scaled="0"/>
+        </a:gradFill>
+      </a:bgFillStyleLst>
+    </a:fmtScheme>
+  </a:themeElements>
+  <a:objectDefaults/>
+  <a:extraClrSchemeLst/>
+  <a:extLst>
+    <a:ext uri="{05A4C25C-085E-4340-85A3-A5531E510DB2}">
+      <thm15:themeFamily xmlns:thm15="http://schemas.microsoft.com/office/thememl/2012/main" name="Office Theme" id="{62F939B6-93AF-4DB8-9C6B-D6C7DFDC589F}" vid="{4A3C46E8-61CC-4603-A589-7422A47A8E4A}"/>
+    </a:ext>
+  </a:extLst>
+</a:theme>
 </file>